--- a/ApresentacaogoGamesSite.pptx
+++ b/ApresentacaogoGamesSite.pptx
@@ -5,10 +5,10 @@
     <p:sldMasterId id="2147483812" r:id="rId1"/>
   </p:sldMasterIdLst>
   <p:notesMasterIdLst>
-    <p:notesMasterId r:id="rId12"/>
+    <p:notesMasterId r:id="rId13"/>
   </p:notesMasterIdLst>
   <p:handoutMasterIdLst>
-    <p:handoutMasterId r:id="rId13"/>
+    <p:handoutMasterId r:id="rId14"/>
   </p:handoutMasterIdLst>
   <p:sldIdLst>
     <p:sldId id="256" r:id="rId2"/>
@@ -21,6 +21,7 @@
     <p:sldId id="262" r:id="rId9"/>
     <p:sldId id="263" r:id="rId10"/>
     <p:sldId id="264" r:id="rId11"/>
+    <p:sldId id="267" r:id="rId12"/>
   </p:sldIdLst>
   <p:sldSz cx="12192000" cy="6858000"/>
   <p:notesSz cx="6858000" cy="9144000"/>
@@ -134,7 +135,7 @@
 <p1510:revInfo xmlns:a="http://schemas.openxmlformats.org/drawingml/2006/main" xmlns:r="http://schemas.openxmlformats.org/officeDocument/2006/relationships" xmlns:p1510="http://schemas.microsoft.com/office/powerpoint/2015/10/main">
   <p1510:revLst>
     <p1510:client id="{0CF5C1F8-6416-4463-BA3C-E549864745C9}" v="139" dt="2022-02-22T21:40:30.513"/>
-    <p1510:client id="{9E81D6B4-EF41-4497-B08B-3B9D2D784BC3}" v="2303" dt="2022-02-22T23:20:13.912"/>
+    <p1510:client id="{9E81D6B4-EF41-4497-B08B-3B9D2D784BC3}" v="2357" dt="2022-02-22T23:26:48.765"/>
   </p1510:revLst>
 </p1510:revInfo>
 </file>
@@ -838,6 +839,90 @@
     <p:extLst>
       <p:ext uri="{BB962C8B-B14F-4D97-AF65-F5344CB8AC3E}">
         <p14:creationId xmlns:p14="http://schemas.microsoft.com/office/powerpoint/2010/main" val="759752780"/>
+      </p:ext>
+    </p:extLst>
+  </p:cSld>
+  <p:clrMapOvr>
+    <a:masterClrMapping/>
+  </p:clrMapOvr>
+</p:notes>
+</file>
+
+<file path=ppt/notesSlides/notesSlide11.xml><?xml version="1.0" encoding="utf-8"?>
+<p:notes xmlns:a="http://schemas.openxmlformats.org/drawingml/2006/main" xmlns:r="http://schemas.openxmlformats.org/officeDocument/2006/relationships" xmlns:p="http://schemas.openxmlformats.org/presentationml/2006/main">
+  <p:cSld>
+    <p:spTree>
+      <p:nvGrpSpPr>
+        <p:cNvPr id="1" name=""/>
+        <p:cNvGrpSpPr/>
+        <p:nvPr/>
+      </p:nvGrpSpPr>
+      <p:grpSpPr>
+        <a:xfrm>
+          <a:off x="0" y="0"/>
+          <a:ext cx="0" cy="0"/>
+          <a:chOff x="0" y="0"/>
+          <a:chExt cx="0" cy="0"/>
+        </a:xfrm>
+      </p:grpSpPr>
+      <p:sp>
+        <p:nvSpPr>
+          <p:cNvPr id="2" name="Espaço Reservado para Imagem de Slide 1"/>
+          <p:cNvSpPr>
+            <a:spLocks noGrp="1" noRot="1" noChangeAspect="1"/>
+          </p:cNvSpPr>
+          <p:nvPr>
+            <p:ph type="sldImg"/>
+          </p:nvPr>
+        </p:nvSpPr>
+        <p:spPr/>
+      </p:sp>
+      <p:sp>
+        <p:nvSpPr>
+          <p:cNvPr id="3" name="Espaço Reservado para Anotações 2"/>
+          <p:cNvSpPr>
+            <a:spLocks noGrp="1"/>
+          </p:cNvSpPr>
+          <p:nvPr>
+            <p:ph type="body" idx="1"/>
+          </p:nvPr>
+        </p:nvSpPr>
+        <p:spPr/>
+        <p:txBody>
+          <a:bodyPr/>
+          <a:lstStyle/>
+          <a:p>
+            <a:endParaRPr lang="pt-BR"/>
+          </a:p>
+        </p:txBody>
+      </p:sp>
+      <p:sp>
+        <p:nvSpPr>
+          <p:cNvPr id="4" name="Espaço Reservado para Número de Slide 3"/>
+          <p:cNvSpPr>
+            <a:spLocks noGrp="1"/>
+          </p:cNvSpPr>
+          <p:nvPr>
+            <p:ph type="sldNum" sz="quarter" idx="5"/>
+          </p:nvPr>
+        </p:nvSpPr>
+        <p:spPr/>
+        <p:txBody>
+          <a:bodyPr/>
+          <a:lstStyle/>
+          <a:p>
+            <a:fld id="{00C98E5B-1C96-4B26-8C9D-E61A0EAC83FE}" type="slidenum">
+              <a:rPr lang="pt-BR" smtClean="0"/>
+              <a:t>11</a:t>
+            </a:fld>
+            <a:endParaRPr lang="pt-BR"/>
+          </a:p>
+        </p:txBody>
+      </p:sp>
+    </p:spTree>
+    <p:extLst>
+      <p:ext uri="{BB962C8B-B14F-4D97-AF65-F5344CB8AC3E}">
+        <p14:creationId xmlns:p14="http://schemas.microsoft.com/office/powerpoint/2010/main" val="3824587500"/>
       </p:ext>
     </p:extLst>
   </p:cSld>
@@ -5611,6 +5696,528 @@
                                       <p:tn val="5"/>
                                     </p:cond>
                                   </p:endCondLst>
+                                  <p:iterate>
+                                    <p:tmPct val="10000"/>
+                                  </p:iterate>
+                                  <p:childTnLst>
+                                    <p:set>
+                                      <p:cBhvr>
+                                        <p:cTn id="6" dur="1" fill="hold">
+                                          <p:stCondLst>
+                                            <p:cond delay="0"/>
+                                          </p:stCondLst>
+                                        </p:cTn>
+                                        <p:tgtEl>
+                                          <p:spTgt spid="3">
+                                            <p:txEl>
+                                              <p:pRg st="0" end="0"/>
+                                            </p:txEl>
+                                          </p:spTgt>
+                                        </p:tgtEl>
+                                        <p:attrNameLst>
+                                          <p:attrName>style.visibility</p:attrName>
+                                        </p:attrNameLst>
+                                      </p:cBhvr>
+                                      <p:to>
+                                        <p:strVal val="visible"/>
+                                      </p:to>
+                                    </p:set>
+                                    <p:animEffect transition="in" filter="fade">
+                                      <p:cBhvr>
+                                        <p:cTn id="7" dur="700"/>
+                                        <p:tgtEl>
+                                          <p:spTgt spid="3">
+                                            <p:txEl>
+                                              <p:pRg st="0" end="0"/>
+                                            </p:txEl>
+                                          </p:spTgt>
+                                        </p:tgtEl>
+                                      </p:cBhvr>
+                                    </p:animEffect>
+                                  </p:childTnLst>
+                                </p:cTn>
+                              </p:par>
+                              <p:par>
+                                <p:cTn id="8" presetID="10" presetClass="entr" presetSubtype="0" fill="hold" grpId="0" nodeType="withEffect">
+                                  <p:stCondLst>
+                                    <p:cond delay="1000"/>
+                                  </p:stCondLst>
+                                  <p:iterate>
+                                    <p:tmPct val="10000"/>
+                                  </p:iterate>
+                                  <p:childTnLst>
+                                    <p:set>
+                                      <p:cBhvr>
+                                        <p:cTn id="9" dur="1" fill="hold">
+                                          <p:stCondLst>
+                                            <p:cond delay="0"/>
+                                          </p:stCondLst>
+                                        </p:cTn>
+                                        <p:tgtEl>
+                                          <p:spTgt spid="2"/>
+                                        </p:tgtEl>
+                                        <p:attrNameLst>
+                                          <p:attrName>style.visibility</p:attrName>
+                                        </p:attrNameLst>
+                                      </p:cBhvr>
+                                      <p:to>
+                                        <p:strVal val="visible"/>
+                                      </p:to>
+                                    </p:set>
+                                    <p:animEffect transition="in" filter="fade">
+                                      <p:cBhvr>
+                                        <p:cTn id="10" dur="700"/>
+                                        <p:tgtEl>
+                                          <p:spTgt spid="2"/>
+                                        </p:tgtEl>
+                                      </p:cBhvr>
+                                    </p:animEffect>
+                                  </p:childTnLst>
+                                </p:cTn>
+                              </p:par>
+                            </p:childTnLst>
+                          </p:cTn>
+                        </p:par>
+                      </p:childTnLst>
+                    </p:cTn>
+                  </p:par>
+                </p:childTnLst>
+              </p:cTn>
+              <p:prevCondLst>
+                <p:cond evt="onPrev" delay="0">
+                  <p:tgtEl>
+                    <p:sldTgt/>
+                  </p:tgtEl>
+                </p:cond>
+              </p:prevCondLst>
+              <p:nextCondLst>
+                <p:cond evt="onNext" delay="0">
+                  <p:tgtEl>
+                    <p:sldTgt/>
+                  </p:tgtEl>
+                </p:cond>
+              </p:nextCondLst>
+            </p:seq>
+          </p:childTnLst>
+        </p:cTn>
+      </p:par>
+    </p:tnLst>
+    <p:bldLst>
+      <p:bldP spid="2" grpId="0"/>
+      <p:bldP spid="3" grpId="0" build="p"/>
+    </p:bldLst>
+  </p:timing>
+</p:sld>
+</file>
+
+<file path=ppt/slides/slide11.xml><?xml version="1.0" encoding="utf-8"?>
+<p:sld xmlns:a="http://schemas.openxmlformats.org/drawingml/2006/main" xmlns:r="http://schemas.openxmlformats.org/officeDocument/2006/relationships" xmlns:p="http://schemas.openxmlformats.org/presentationml/2006/main">
+  <p:cSld>
+    <p:bg>
+      <p:bgPr>
+        <a:solidFill>
+          <a:srgbClr val="4D0E8C"/>
+        </a:solidFill>
+        <a:effectLst/>
+      </p:bgPr>
+    </p:bg>
+    <p:spTree>
+      <p:nvGrpSpPr>
+        <p:cNvPr id="1" name=""/>
+        <p:cNvGrpSpPr/>
+        <p:nvPr/>
+      </p:nvGrpSpPr>
+      <p:grpSpPr>
+        <a:xfrm>
+          <a:off x="0" y="0"/>
+          <a:ext cx="0" cy="0"/>
+          <a:chOff x="0" y="0"/>
+          <a:chExt cx="0" cy="0"/>
+        </a:xfrm>
+      </p:grpSpPr>
+      <p:sp useBgFill="1">
+        <p:nvSpPr>
+          <p:cNvPr id="91" name="Rectangle 64">
+            <a:extLst>
+              <a:ext uri="{FF2B5EF4-FFF2-40B4-BE49-F238E27FC236}">
+                <a16:creationId xmlns:a16="http://schemas.microsoft.com/office/drawing/2014/main" id="{19F9BF86-FE94-4517-B97D-026C7515E589}"/>
+              </a:ext>
+              <a:ext uri="{C183D7F6-B498-43B3-948B-1728B52AA6E4}">
+                <adec:decorative xmlns:adec="http://schemas.microsoft.com/office/drawing/2017/decorative" val="1"/>
+              </a:ext>
+            </a:extLst>
+          </p:cNvPr>
+          <p:cNvSpPr>
+            <a:spLocks noGrp="1" noRot="1" noChangeAspect="1" noMove="1" noResize="1" noEditPoints="1" noAdjustHandles="1" noChangeArrowheads="1" noChangeShapeType="1" noTextEdit="1"/>
+          </p:cNvSpPr>
+          <p:nvPr>
+            <p:extLst>
+              <p:ext uri="{386F3935-93C4-4BCD-93E2-E3B085C9AB24}">
+                <p16:designElem xmlns:p16="http://schemas.microsoft.com/office/powerpoint/2015/main" val="1"/>
+              </p:ext>
+            </p:extLst>
+          </p:nvPr>
+        </p:nvSpPr>
+        <p:spPr>
+          <a:xfrm>
+            <a:off x="0" y="0"/>
+            <a:ext cx="12192000" cy="6858000"/>
+          </a:xfrm>
+          <a:prstGeom prst="rect">
+            <a:avLst/>
+          </a:prstGeom>
+          <a:ln w="12700" cap="flat" cmpd="sng" algn="ctr">
+            <a:noFill/>
+            <a:prstDash val="solid"/>
+            <a:miter lim="800000"/>
+          </a:ln>
+          <a:effectLst/>
+          <a:extLst>
+            <a:ext uri="{91240B29-F687-4F45-9708-019B960494DF}">
+              <a14:hiddenLine xmlns:a14="http://schemas.microsoft.com/office/drawing/2010/main" w="12700" cap="flat" cmpd="sng" algn="ctr">
+                <a:solidFill>
+                  <a:schemeClr val="accent1">
+                    <a:shade val="50000"/>
+                  </a:schemeClr>
+                </a:solidFill>
+                <a:prstDash val="solid"/>
+                <a:miter lim="800000"/>
+              </a14:hiddenLine>
+            </a:ext>
+          </a:extLst>
+        </p:spPr>
+        <p:style>
+          <a:lnRef idx="2">
+            <a:schemeClr val="accent1">
+              <a:shade val="50000"/>
+            </a:schemeClr>
+          </a:lnRef>
+          <a:fillRef idx="1">
+            <a:schemeClr val="accent1"/>
+          </a:fillRef>
+          <a:effectRef idx="0">
+            <a:schemeClr val="accent1"/>
+          </a:effectRef>
+          <a:fontRef idx="minor">
+            <a:schemeClr val="lt1"/>
+          </a:fontRef>
+        </p:style>
+        <p:txBody>
+          <a:bodyPr rtlCol="0" anchor="ctr"/>
+          <a:lstStyle/>
+          <a:p>
+            <a:pPr algn="ctr"/>
+            <a:endParaRPr lang="en-US"/>
+          </a:p>
+        </p:txBody>
+      </p:sp>
+      <p:sp>
+        <p:nvSpPr>
+          <p:cNvPr id="2" name="Título 1"/>
+          <p:cNvSpPr>
+            <a:spLocks noGrp="1"/>
+          </p:cNvSpPr>
+          <p:nvPr>
+            <p:ph type="ctrTitle"/>
+          </p:nvPr>
+        </p:nvSpPr>
+        <p:spPr>
+          <a:xfrm>
+            <a:off x="7396622" y="4964481"/>
+            <a:ext cx="3794973" cy="5011251"/>
+          </a:xfrm>
+        </p:spPr>
+        <p:txBody>
+          <a:bodyPr rtlCol="0" anchor="t">
+            <a:normAutofit/>
+          </a:bodyPr>
+          <a:lstStyle/>
+          <a:p>
+            <a:pPr algn="ctr">
+              <a:lnSpc>
+                <a:spcPct val="90000"/>
+              </a:lnSpc>
+            </a:pPr>
+            <a:r>
+              <a:rPr lang="pt-BR" sz="1600" b="1" cap="all" dirty="0">
+                <a:solidFill>
+                  <a:schemeClr val="bg1"/>
+                </a:solidFill>
+              </a:rPr>
+              <a:t>Você consegue acessar um teste dessa página pelo site</a:t>
+            </a:r>
+            <a:br>
+              <a:rPr lang="pt-BR" sz="1600" b="1" cap="all" dirty="0">
+                <a:solidFill>
+                  <a:schemeClr val="bg1"/>
+                </a:solidFill>
+              </a:rPr>
+            </a:br>
+            <a:br>
+              <a:rPr lang="pt-BR" sz="1600" b="1" cap="all" dirty="0">
+                <a:solidFill>
+                  <a:schemeClr val="bg1"/>
+                </a:solidFill>
+              </a:rPr>
+            </a:br>
+            <a:r>
+              <a:rPr lang="pt-BR" sz="1600" b="1" cap="all" dirty="0">
+                <a:ea typeface="+mj-lt"/>
+                <a:cs typeface="+mj-lt"/>
+              </a:rPr>
+              <a:t>https://kmylasales.github.io/SitegoGames/index.html</a:t>
+            </a:r>
+            <a:endParaRPr lang="pt-BR" sz="1600" b="1" cap="all" dirty="0">
+              <a:solidFill>
+                <a:schemeClr val="bg1"/>
+              </a:solidFill>
+            </a:endParaRPr>
+          </a:p>
+        </p:txBody>
+      </p:sp>
+      <p:sp>
+        <p:nvSpPr>
+          <p:cNvPr id="3" name="Subtítulo 2"/>
+          <p:cNvSpPr>
+            <a:spLocks noGrp="1"/>
+          </p:cNvSpPr>
+          <p:nvPr>
+            <p:ph type="subTitle" idx="1"/>
+          </p:nvPr>
+        </p:nvSpPr>
+        <p:spPr>
+          <a:xfrm>
+            <a:off x="8210812" y="196341"/>
+            <a:ext cx="4035055" cy="950275"/>
+          </a:xfrm>
+        </p:spPr>
+        <p:txBody>
+          <a:bodyPr vert="horz" lIns="91440" tIns="45720" rIns="91440" bIns="45720" rtlCol="0" anchor="t">
+            <a:normAutofit/>
+          </a:bodyPr>
+          <a:lstStyle/>
+          <a:p>
+            <a:pPr algn="ctr">
+              <a:lnSpc>
+                <a:spcPct val="120000"/>
+              </a:lnSpc>
+            </a:pPr>
+            <a:r>
+              <a:rPr lang="pt-BR" sz="1000" dirty="0">
+                <a:cs typeface="Calibri"/>
+              </a:rPr>
+              <a:t>Criado por </a:t>
+            </a:r>
+            <a:r>
+              <a:rPr lang="pt-BR" sz="1000" dirty="0" err="1">
+                <a:cs typeface="Calibri"/>
+              </a:rPr>
+              <a:t>camila</a:t>
+            </a:r>
+            <a:r>
+              <a:rPr lang="pt-BR" sz="1000" dirty="0">
+                <a:cs typeface="Calibri"/>
+              </a:rPr>
+              <a:t> </a:t>
+            </a:r>
+            <a:r>
+              <a:rPr lang="pt-BR" sz="1000" dirty="0" err="1">
+                <a:cs typeface="Calibri"/>
+              </a:rPr>
+              <a:t>sales</a:t>
+            </a:r>
+          </a:p>
+        </p:txBody>
+      </p:sp>
+      <p:cxnSp>
+        <p:nvCxnSpPr>
+          <p:cNvPr id="92" name="Straight Connector 66">
+            <a:extLst>
+              <a:ext uri="{FF2B5EF4-FFF2-40B4-BE49-F238E27FC236}">
+                <a16:creationId xmlns:a16="http://schemas.microsoft.com/office/drawing/2014/main" id="{59D7B6BE-A4E0-4483-BEC5-493AC3E5D2AD}"/>
+              </a:ext>
+              <a:ext uri="{C183D7F6-B498-43B3-948B-1728B52AA6E4}">
+                <adec:decorative xmlns:adec="http://schemas.microsoft.com/office/drawing/2017/decorative" val="1"/>
+              </a:ext>
+            </a:extLst>
+          </p:cNvPr>
+          <p:cNvCxnSpPr>
+            <a:cxnSpLocks noGrp="1" noRot="1" noChangeAspect="1" noMove="1" noResize="1" noEditPoints="1" noAdjustHandles="1" noChangeArrowheads="1" noChangeShapeType="1"/>
+          </p:cNvCxnSpPr>
+          <p:nvPr>
+            <p:extLst>
+              <p:ext uri="{386F3935-93C4-4BCD-93E2-E3B085C9AB24}">
+                <p16:designElem xmlns:p16="http://schemas.microsoft.com/office/powerpoint/2015/main" val="1"/>
+              </p:ext>
+            </p:extLst>
+          </p:nvPr>
+        </p:nvCxnSpPr>
+        <p:spPr>
+          <a:xfrm>
+            <a:off x="997529" y="4861206"/>
+            <a:ext cx="978862" cy="0"/>
+          </a:xfrm>
+          <a:prstGeom prst="line">
+            <a:avLst/>
+          </a:prstGeom>
+          <a:ln w="76200">
+            <a:solidFill>
+              <a:schemeClr val="accent1"/>
+            </a:solidFill>
+          </a:ln>
+        </p:spPr>
+        <p:style>
+          <a:lnRef idx="1">
+            <a:schemeClr val="accent1"/>
+          </a:lnRef>
+          <a:fillRef idx="0">
+            <a:schemeClr val="accent1"/>
+          </a:fillRef>
+          <a:effectRef idx="0">
+            <a:schemeClr val="accent1"/>
+          </a:effectRef>
+          <a:fontRef idx="minor">
+            <a:schemeClr val="tx1"/>
+          </a:fontRef>
+        </p:style>
+      </p:cxnSp>
+      <p:pic>
+        <p:nvPicPr>
+          <p:cNvPr id="4" name="Imagem 4" descr="Interface gráfica do usuário, Aplicativo, Teams&#10;&#10;Descrição gerada automaticamente">
+            <a:extLst>
+              <a:ext uri="{FF2B5EF4-FFF2-40B4-BE49-F238E27FC236}">
+                <a16:creationId xmlns:a16="http://schemas.microsoft.com/office/drawing/2014/main" id="{4E80954D-A8F8-4225-8B94-D9699089C76B}"/>
+              </a:ext>
+            </a:extLst>
+          </p:cNvPr>
+          <p:cNvPicPr>
+            <a:picLocks noChangeAspect="1"/>
+          </p:cNvPicPr>
+          <p:nvPr/>
+        </p:nvPicPr>
+        <p:blipFill rotWithShape="1">
+          <a:blip r:embed="rId3"/>
+          <a:srcRect l="1686" r="986" b="-1"/>
+          <a:stretch/>
+        </p:blipFill>
+        <p:spPr>
+          <a:xfrm>
+            <a:off x="-1359949" y="-650270"/>
+            <a:ext cx="7908511" cy="6258759"/>
+          </a:xfrm>
+          <a:prstGeom prst="rect">
+            <a:avLst/>
+          </a:prstGeom>
+        </p:spPr>
+      </p:pic>
+      <p:sp>
+        <p:nvSpPr>
+          <p:cNvPr id="6" name="CaixaDeTexto 5">
+            <a:extLst>
+              <a:ext uri="{FF2B5EF4-FFF2-40B4-BE49-F238E27FC236}">
+                <a16:creationId xmlns:a16="http://schemas.microsoft.com/office/drawing/2014/main" id="{E9886B3E-345B-4E3D-9B78-A06F93D931BF}"/>
+              </a:ext>
+            </a:extLst>
+          </p:cNvPr>
+          <p:cNvSpPr txBox="1"/>
+          <p:nvPr/>
+        </p:nvSpPr>
+        <p:spPr>
+          <a:xfrm>
+            <a:off x="7542755" y="1258865"/>
+            <a:ext cx="2743199" cy="338554"/>
+          </a:xfrm>
+          <a:prstGeom prst="rect">
+            <a:avLst/>
+          </a:prstGeom>
+          <a:noFill/>
+        </p:spPr>
+        <p:txBody>
+          <a:bodyPr rot="0" spcFirstLastPara="0" vertOverflow="overflow" horzOverflow="overflow" vert="horz" wrap="square" lIns="91440" tIns="45720" rIns="91440" bIns="45720" numCol="1" spcCol="0" rtlCol="0" fromWordArt="0" anchor="t" anchorCtr="0" forceAA="0" compatLnSpc="1">
+            <a:prstTxWarp prst="textNoShape">
+              <a:avLst/>
+            </a:prstTxWarp>
+            <a:spAutoFit/>
+          </a:bodyPr>
+          <a:lstStyle/>
+          <a:p>
+            <a:endParaRPr lang="pt-BR" sz="1600" b="1" dirty="0"/>
+          </a:p>
+        </p:txBody>
+      </p:sp>
+      <p:sp>
+        <p:nvSpPr>
+          <p:cNvPr id="7" name="CaixaDeTexto 6">
+            <a:extLst>
+              <a:ext uri="{FF2B5EF4-FFF2-40B4-BE49-F238E27FC236}">
+                <a16:creationId xmlns:a16="http://schemas.microsoft.com/office/drawing/2014/main" id="{B6617AE8-1626-462B-A8A6-A7E8580025D8}"/>
+              </a:ext>
+            </a:extLst>
+          </p:cNvPr>
+          <p:cNvSpPr txBox="1"/>
+          <p:nvPr/>
+        </p:nvSpPr>
+        <p:spPr>
+          <a:xfrm>
+            <a:off x="3792125" y="1641826"/>
+            <a:ext cx="2743199" cy="338554"/>
+          </a:xfrm>
+          <a:prstGeom prst="rect">
+            <a:avLst/>
+          </a:prstGeom>
+          <a:noFill/>
+        </p:spPr>
+        <p:txBody>
+          <a:bodyPr rot="0" spcFirstLastPara="0" vertOverflow="overflow" horzOverflow="overflow" vert="horz" wrap="square" lIns="91440" tIns="45720" rIns="91440" bIns="45720" numCol="1" spcCol="0" rtlCol="0" fromWordArt="0" anchor="t" anchorCtr="0" forceAA="0" compatLnSpc="1">
+            <a:prstTxWarp prst="textNoShape">
+              <a:avLst/>
+            </a:prstTxWarp>
+            <a:spAutoFit/>
+          </a:bodyPr>
+          <a:lstStyle/>
+          <a:p>
+            <a:endParaRPr lang="pt-BR" sz="1600" b="1" dirty="0"/>
+          </a:p>
+        </p:txBody>
+      </p:sp>
+    </p:spTree>
+    <p:extLst>
+      <p:ext uri="{BB962C8B-B14F-4D97-AF65-F5344CB8AC3E}">
+        <p14:creationId xmlns:p14="http://schemas.microsoft.com/office/powerpoint/2010/main" val="4045866879"/>
+      </p:ext>
+    </p:extLst>
+  </p:cSld>
+  <p:clrMapOvr>
+    <a:masterClrMapping/>
+  </p:clrMapOvr>
+  <p:timing>
+    <p:tnLst>
+      <p:par>
+        <p:cTn id="1" dur="indefinite" restart="never" nodeType="tmRoot">
+          <p:childTnLst>
+            <p:seq concurrent="1" nextAc="seek">
+              <p:cTn id="2" dur="indefinite" nodeType="mainSeq">
+                <p:childTnLst>
+                  <p:par>
+                    <p:cTn id="3" fill="hold">
+                      <p:stCondLst>
+                        <p:cond delay="indefinite"/>
+                        <p:cond evt="onBegin" delay="0">
+                          <p:tn val="2"/>
+                        </p:cond>
+                      </p:stCondLst>
+                      <p:childTnLst>
+                        <p:par>
+                          <p:cTn id="4" fill="hold">
+                            <p:stCondLst>
+                              <p:cond delay="0"/>
+                            </p:stCondLst>
+                            <p:childTnLst>
+                              <p:par>
+                                <p:cTn id="5" presetID="10" presetClass="entr" presetSubtype="0" fill="hold" grpId="0" nodeType="withEffect">
+                                  <p:stCondLst>
+                                    <p:cond delay="1500"/>
+                                  </p:stCondLst>
                                   <p:iterate>
                                     <p:tmPct val="10000"/>
                                   </p:iterate>

--- a/ApresentacaogoGamesSite.pptx
+++ b/ApresentacaogoGamesSite.pptx
@@ -136,6 +136,7 @@
   <p1510:revLst>
     <p1510:client id="{0CF5C1F8-6416-4463-BA3C-E549864745C9}" v="139" dt="2022-02-22T21:40:30.513"/>
     <p1510:client id="{9E81D6B4-EF41-4497-B08B-3B9D2D784BC3}" v="2357" dt="2022-02-22T23:26:48.765"/>
+    <p1510:client id="{C47D8006-94B6-4AD3-97DF-83B18BA03146}" v="146" dt="2022-02-24T23:59:56.100"/>
   </p1510:revLst>
 </p1510:revInfo>
 </file>
@@ -234,7 +235,7 @@
           <a:p>
             <a:fld id="{145FAAD9-F14F-43D9-B1DE-32BA9E4C4718}" type="datetimeFigureOut">
               <a:rPr lang="pt-BR" smtClean="0"/>
-              <a:t>22/02/2022</a:t>
+              <a:t>24/02/2022</a:t>
             </a:fld>
             <a:endParaRPr lang="pt-BR"/>
           </a:p>
@@ -412,7 +413,7 @@
           <a:p>
             <a:fld id="{215799DB-4285-4F41-B1D7-EABE83B71217}" type="datetimeFigureOut">
               <a:rPr lang="pt-BR" noProof="0" smtClean="0"/>
-              <a:t>22/02/2022</a:t>
+              <a:t>24/02/2022</a:t>
             </a:fld>
             <a:endParaRPr lang="pt-BR" noProof="0"/>
           </a:p>
@@ -829,7 +830,7 @@
           <a:p>
             <a:fld id="{00C98E5B-1C96-4B26-8C9D-E61A0EAC83FE}" type="slidenum">
               <a:rPr lang="pt-BR" smtClean="0"/>
-              <a:t>8</a:t>
+              <a:t>10</a:t>
             </a:fld>
             <a:endParaRPr lang="pt-BR"/>
           </a:p>
@@ -1081,7 +1082,7 @@
           <a:p>
             <a:fld id="{00C98E5B-1C96-4B26-8C9D-E61A0EAC83FE}" type="slidenum">
               <a:rPr lang="pt-BR" smtClean="0"/>
-              <a:t>2</a:t>
+              <a:t>3</a:t>
             </a:fld>
             <a:endParaRPr lang="pt-BR"/>
           </a:p>
@@ -1165,7 +1166,7 @@
           <a:p>
             <a:fld id="{00C98E5B-1C96-4B26-8C9D-E61A0EAC83FE}" type="slidenum">
               <a:rPr lang="pt-BR" smtClean="0"/>
-              <a:t>3</a:t>
+              <a:t>4</a:t>
             </a:fld>
             <a:endParaRPr lang="pt-BR"/>
           </a:p>
@@ -1249,7 +1250,7 @@
           <a:p>
             <a:fld id="{00C98E5B-1C96-4B26-8C9D-E61A0EAC83FE}" type="slidenum">
               <a:rPr lang="pt-BR" smtClean="0"/>
-              <a:t>3</a:t>
+              <a:t>5</a:t>
             </a:fld>
             <a:endParaRPr lang="pt-BR"/>
           </a:p>
@@ -1333,7 +1334,7 @@
           <a:p>
             <a:fld id="{00C98E5B-1C96-4B26-8C9D-E61A0EAC83FE}" type="slidenum">
               <a:rPr lang="pt-BR" smtClean="0"/>
-              <a:t>4</a:t>
+              <a:t>6</a:t>
             </a:fld>
             <a:endParaRPr lang="pt-BR"/>
           </a:p>
@@ -1417,7 +1418,7 @@
           <a:p>
             <a:fld id="{00C98E5B-1C96-4B26-8C9D-E61A0EAC83FE}" type="slidenum">
               <a:rPr lang="pt-BR" smtClean="0"/>
-              <a:t>5</a:t>
+              <a:t>7</a:t>
             </a:fld>
             <a:endParaRPr lang="pt-BR"/>
           </a:p>
@@ -1501,7 +1502,7 @@
           <a:p>
             <a:fld id="{00C98E5B-1C96-4B26-8C9D-E61A0EAC83FE}" type="slidenum">
               <a:rPr lang="pt-BR" smtClean="0"/>
-              <a:t>6</a:t>
+              <a:t>8</a:t>
             </a:fld>
             <a:endParaRPr lang="pt-BR"/>
           </a:p>
@@ -1585,7 +1586,7 @@
           <a:p>
             <a:fld id="{00C98E5B-1C96-4B26-8C9D-E61A0EAC83FE}" type="slidenum">
               <a:rPr lang="pt-BR" smtClean="0"/>
-              <a:t>7</a:t>
+              <a:t>9</a:t>
             </a:fld>
             <a:endParaRPr lang="pt-BR"/>
           </a:p>
@@ -1758,7 +1759,7 @@
           <a:p>
             <a:fld id="{0D4E46AA-1EC0-4433-9956-E798E94A6FB7}" type="datetimeFigureOut">
               <a:rPr lang="en-US" smtClean="0"/>
-              <a:t>2/22/2022</a:t>
+              <a:t>2/24/2022</a:t>
             </a:fld>
             <a:endParaRPr lang="en-US"/>
           </a:p>
@@ -1956,7 +1957,7 @@
           <a:p>
             <a:fld id="{0D4E46AA-1EC0-4433-9956-E798E94A6FB7}" type="datetimeFigureOut">
               <a:rPr lang="en-US" smtClean="0"/>
-              <a:t>2/22/2022</a:t>
+              <a:t>2/24/2022</a:t>
             </a:fld>
             <a:endParaRPr lang="en-US"/>
           </a:p>
@@ -2164,7 +2165,7 @@
           <a:p>
             <a:fld id="{0D4E46AA-1EC0-4433-9956-E798E94A6FB7}" type="datetimeFigureOut">
               <a:rPr lang="en-US" smtClean="0"/>
-              <a:t>2/22/2022</a:t>
+              <a:t>2/24/2022</a:t>
             </a:fld>
             <a:endParaRPr lang="en-US"/>
           </a:p>
@@ -2362,7 +2363,7 @@
           <a:p>
             <a:fld id="{0D4E46AA-1EC0-4433-9956-E798E94A6FB7}" type="datetimeFigureOut">
               <a:rPr lang="en-US" smtClean="0"/>
-              <a:t>2/22/2022</a:t>
+              <a:t>2/24/2022</a:t>
             </a:fld>
             <a:endParaRPr lang="en-US"/>
           </a:p>
@@ -2641,7 +2642,7 @@
           <a:p>
             <a:fld id="{0D4E46AA-1EC0-4433-9956-E798E94A6FB7}" type="datetimeFigureOut">
               <a:rPr lang="en-US" smtClean="0"/>
-              <a:t>2/22/2022</a:t>
+              <a:t>2/24/2022</a:t>
             </a:fld>
             <a:endParaRPr lang="en-US"/>
           </a:p>
@@ -2906,7 +2907,7 @@
           <a:p>
             <a:fld id="{0D4E46AA-1EC0-4433-9956-E798E94A6FB7}" type="datetimeFigureOut">
               <a:rPr lang="en-US" smtClean="0"/>
-              <a:t>2/22/2022</a:t>
+              <a:t>2/24/2022</a:t>
             </a:fld>
             <a:endParaRPr lang="en-US"/>
           </a:p>
@@ -3322,7 +3323,7 @@
           <a:p>
             <a:fld id="{0D4E46AA-1EC0-4433-9956-E798E94A6FB7}" type="datetimeFigureOut">
               <a:rPr lang="en-US" smtClean="0"/>
-              <a:t>2/22/2022</a:t>
+              <a:t>2/24/2022</a:t>
             </a:fld>
             <a:endParaRPr lang="en-US"/>
           </a:p>
@@ -3463,7 +3464,7 @@
           <a:p>
             <a:fld id="{0D4E46AA-1EC0-4433-9956-E798E94A6FB7}" type="datetimeFigureOut">
               <a:rPr lang="en-US" smtClean="0"/>
-              <a:t>2/22/2022</a:t>
+              <a:t>2/24/2022</a:t>
             </a:fld>
             <a:endParaRPr lang="en-US"/>
           </a:p>
@@ -3576,7 +3577,7 @@
           <a:p>
             <a:fld id="{0D4E46AA-1EC0-4433-9956-E798E94A6FB7}" type="datetimeFigureOut">
               <a:rPr lang="en-US" smtClean="0"/>
-              <a:t>2/22/2022</a:t>
+              <a:t>2/24/2022</a:t>
             </a:fld>
             <a:endParaRPr lang="en-US"/>
           </a:p>
@@ -3889,7 +3890,7 @@
           <a:p>
             <a:fld id="{0D4E46AA-1EC0-4433-9956-E798E94A6FB7}" type="datetimeFigureOut">
               <a:rPr lang="en-US" smtClean="0"/>
-              <a:t>2/22/2022</a:t>
+              <a:t>2/24/2022</a:t>
             </a:fld>
             <a:endParaRPr lang="en-US"/>
           </a:p>
@@ -4177,7 +4178,7 @@
           <a:p>
             <a:fld id="{0D4E46AA-1EC0-4433-9956-E798E94A6FB7}" type="datetimeFigureOut">
               <a:rPr lang="en-US" smtClean="0"/>
-              <a:t>2/22/2022</a:t>
+              <a:t>2/24/2022</a:t>
             </a:fld>
             <a:endParaRPr lang="en-US"/>
           </a:p>
@@ -4417,7 +4418,7 @@
             <a:fld id="{0D4E46AA-1EC0-4433-9956-E798E94A6FB7}" type="datetimeFigureOut">
               <a:rPr lang="en-US" smtClean="0"/>
               <a:pPr/>
-              <a:t>2/22/2022</a:t>
+              <a:t>2/24/2022</a:t>
             </a:fld>
             <a:endParaRPr lang="en-US" dirty="0"/>
           </a:p>
@@ -5625,10 +5626,10 @@
       </p:sp>
       <p:pic>
         <p:nvPicPr>
-          <p:cNvPr id="5" name="Imagem 7" descr="Uma imagem contendo Interface gráfica do usuário&#10;&#10;Descrição gerada automaticamente">
-            <a:extLst>
-              <a:ext uri="{FF2B5EF4-FFF2-40B4-BE49-F238E27FC236}">
-                <a16:creationId xmlns:a16="http://schemas.microsoft.com/office/drawing/2014/main" id="{C70D4ADD-132B-4EB8-A55F-7DB3B29C52A9}"/>
+          <p:cNvPr id="8" name="Imagem 8" descr="Texto&#10;&#10;Descrição gerada automaticamente">
+            <a:extLst>
+              <a:ext uri="{FF2B5EF4-FFF2-40B4-BE49-F238E27FC236}">
+                <a16:creationId xmlns:a16="http://schemas.microsoft.com/office/drawing/2014/main" id="{442A15E2-625A-48AE-BBF2-29C2C0D16FBC}"/>
               </a:ext>
             </a:extLst>
           </p:cNvPr>
@@ -5645,8 +5646,68 @@
         </p:blipFill>
         <p:spPr>
           <a:xfrm>
-            <a:off x="1425880" y="2649339"/>
-            <a:ext cx="9319363" cy="3887075"/>
+            <a:off x="1968674" y="2806924"/>
+            <a:ext cx="8139830" cy="1776507"/>
+          </a:xfrm>
+          <a:prstGeom prst="rect">
+            <a:avLst/>
+          </a:prstGeom>
+        </p:spPr>
+      </p:pic>
+      <p:pic>
+        <p:nvPicPr>
+          <p:cNvPr id="9" name="Imagem 9" descr="Interface gráfica do usuário, Aplicativo&#10;&#10;Descrição gerada automaticamente">
+            <a:extLst>
+              <a:ext uri="{FF2B5EF4-FFF2-40B4-BE49-F238E27FC236}">
+                <a16:creationId xmlns:a16="http://schemas.microsoft.com/office/drawing/2014/main" id="{A65E09F4-EA0C-4E97-A6E3-19319D6BEAE1}"/>
+              </a:ext>
+            </a:extLst>
+          </p:cNvPr>
+          <p:cNvPicPr>
+            <a:picLocks noChangeAspect="1"/>
+          </p:cNvPicPr>
+          <p:nvPr/>
+        </p:nvPicPr>
+        <p:blipFill>
+          <a:blip r:embed="rId5"/>
+          <a:stretch>
+            <a:fillRect/>
+          </a:stretch>
+        </p:blipFill>
+        <p:spPr>
+          <a:xfrm>
+            <a:off x="7365305" y="4729030"/>
+            <a:ext cx="2743200" cy="1888435"/>
+          </a:xfrm>
+          <a:prstGeom prst="rect">
+            <a:avLst/>
+          </a:prstGeom>
+        </p:spPr>
+      </p:pic>
+      <p:pic>
+        <p:nvPicPr>
+          <p:cNvPr id="10" name="Imagem 10" descr="Interface gráfica do usuário, Aplicativo&#10;&#10;Descrição gerada automaticamente">
+            <a:extLst>
+              <a:ext uri="{FF2B5EF4-FFF2-40B4-BE49-F238E27FC236}">
+                <a16:creationId xmlns:a16="http://schemas.microsoft.com/office/drawing/2014/main" id="{F1F405B6-79C7-4ED4-9EC2-42F004811952}"/>
+              </a:ext>
+            </a:extLst>
+          </p:cNvPr>
+          <p:cNvPicPr>
+            <a:picLocks noChangeAspect="1"/>
+          </p:cNvPicPr>
+          <p:nvPr/>
+        </p:nvPicPr>
+        <p:blipFill>
+          <a:blip r:embed="rId6"/>
+          <a:stretch>
+            <a:fillRect/>
+          </a:stretch>
+        </p:blipFill>
+        <p:spPr>
+          <a:xfrm>
+            <a:off x="1968673" y="4657577"/>
+            <a:ext cx="4288076" cy="1958270"/>
           </a:xfrm>
           <a:prstGeom prst="rect">
             <a:avLst/>
@@ -7085,10 +7146,10 @@
       </p:sp>
       <p:pic>
         <p:nvPicPr>
-          <p:cNvPr id="9" name="Imagem 9">
-            <a:extLst>
-              <a:ext uri="{FF2B5EF4-FFF2-40B4-BE49-F238E27FC236}">
-                <a16:creationId xmlns:a16="http://schemas.microsoft.com/office/drawing/2014/main" id="{DAFBC57D-A1A2-42EF-91AA-CDFF1F77BE2C}"/>
+          <p:cNvPr id="11" name="Imagem 11" descr="Texto&#10;&#10;Descrição gerada automaticamente">
+            <a:extLst>
+              <a:ext uri="{FF2B5EF4-FFF2-40B4-BE49-F238E27FC236}">
+                <a16:creationId xmlns:a16="http://schemas.microsoft.com/office/drawing/2014/main" id="{F981C663-BD2B-4FEB-8FFE-74F4D010869E}"/>
               </a:ext>
             </a:extLst>
           </p:cNvPr>
@@ -7105,8 +7166,68 @@
         </p:blipFill>
         <p:spPr>
           <a:xfrm>
-            <a:off x="956153" y="3255779"/>
-            <a:ext cx="10185747" cy="3415318"/>
+            <a:off x="1676400" y="5335247"/>
+            <a:ext cx="8849637" cy="1490191"/>
+          </a:xfrm>
+          <a:prstGeom prst="rect">
+            <a:avLst/>
+          </a:prstGeom>
+        </p:spPr>
+      </p:pic>
+      <p:pic>
+        <p:nvPicPr>
+          <p:cNvPr id="12" name="Imagem 12">
+            <a:extLst>
+              <a:ext uri="{FF2B5EF4-FFF2-40B4-BE49-F238E27FC236}">
+                <a16:creationId xmlns:a16="http://schemas.microsoft.com/office/drawing/2014/main" id="{B57DC241-2A54-422E-9751-CD22931B819F}"/>
+              </a:ext>
+            </a:extLst>
+          </p:cNvPr>
+          <p:cNvPicPr>
+            <a:picLocks noChangeAspect="1"/>
+          </p:cNvPicPr>
+          <p:nvPr/>
+        </p:nvPicPr>
+        <p:blipFill>
+          <a:blip r:embed="rId5"/>
+          <a:stretch>
+            <a:fillRect/>
+          </a:stretch>
+        </p:blipFill>
+        <p:spPr>
+          <a:xfrm>
+            <a:off x="7041715" y="3071522"/>
+            <a:ext cx="3484323" cy="2207642"/>
+          </a:xfrm>
+          <a:prstGeom prst="rect">
+            <a:avLst/>
+          </a:prstGeom>
+        </p:spPr>
+      </p:pic>
+      <p:pic>
+        <p:nvPicPr>
+          <p:cNvPr id="13" name="Imagem 13" descr="Texto&#10;&#10;Descrição gerada automaticamente">
+            <a:extLst>
+              <a:ext uri="{FF2B5EF4-FFF2-40B4-BE49-F238E27FC236}">
+                <a16:creationId xmlns:a16="http://schemas.microsoft.com/office/drawing/2014/main" id="{6AAE354E-CF34-4268-970F-FF48A804CED3}"/>
+              </a:ext>
+            </a:extLst>
+          </p:cNvPr>
+          <p:cNvPicPr>
+            <a:picLocks noChangeAspect="1"/>
+          </p:cNvPicPr>
+          <p:nvPr/>
+        </p:nvPicPr>
+        <p:blipFill>
+          <a:blip r:embed="rId6"/>
+          <a:stretch>
+            <a:fillRect/>
+          </a:stretch>
+        </p:blipFill>
+        <p:spPr>
+          <a:xfrm>
+            <a:off x="726509" y="3459380"/>
+            <a:ext cx="5300598" cy="1818143"/>
           </a:xfrm>
           <a:prstGeom prst="rect">
             <a:avLst/>
@@ -7608,10 +7729,10 @@
       </p:sp>
       <p:pic>
         <p:nvPicPr>
-          <p:cNvPr id="8" name="Imagem 9" descr="Interface gráfica do usuário&#10;&#10;Descrição gerada automaticamente">
-            <a:extLst>
-              <a:ext uri="{FF2B5EF4-FFF2-40B4-BE49-F238E27FC236}">
-                <a16:creationId xmlns:a16="http://schemas.microsoft.com/office/drawing/2014/main" id="{C21F1B12-4C13-4E90-9574-32E648608F30}"/>
+          <p:cNvPr id="11" name="Imagem 11" descr="Interface gráfica do usuário, Aplicativo&#10;&#10;Descrição gerada automaticamente">
+            <a:extLst>
+              <a:ext uri="{FF2B5EF4-FFF2-40B4-BE49-F238E27FC236}">
+                <a16:creationId xmlns:a16="http://schemas.microsoft.com/office/drawing/2014/main" id="{6CEB3514-201C-457E-A438-CB5D70800904}"/>
               </a:ext>
             </a:extLst>
           </p:cNvPr>
@@ -7628,8 +7749,8 @@
         </p:blipFill>
         <p:spPr>
           <a:xfrm>
-            <a:off x="277660" y="3407406"/>
-            <a:ext cx="5425857" cy="2788476"/>
+            <a:off x="3743194" y="3159446"/>
+            <a:ext cx="2743200" cy="2689412"/>
           </a:xfrm>
           <a:prstGeom prst="rect">
             <a:avLst/>
@@ -7638,10 +7759,10 @@
       </p:pic>
       <p:pic>
         <p:nvPicPr>
-          <p:cNvPr id="10" name="Imagem 10" descr="Interface gráfica do usuário, Texto, Aplicativo, chat ou mensagem de texto&#10;&#10;Descrição gerada automaticamente">
-            <a:extLst>
-              <a:ext uri="{FF2B5EF4-FFF2-40B4-BE49-F238E27FC236}">
-                <a16:creationId xmlns:a16="http://schemas.microsoft.com/office/drawing/2014/main" id="{2045AB6B-FDD1-4613-AA74-CE9F4CB15992}"/>
+          <p:cNvPr id="5" name="Imagem 8" descr="Interface gráfica do usuário&#10;&#10;Descrição gerada automaticamente">
+            <a:extLst>
+              <a:ext uri="{FF2B5EF4-FFF2-40B4-BE49-F238E27FC236}">
+                <a16:creationId xmlns:a16="http://schemas.microsoft.com/office/drawing/2014/main" id="{E358D21B-9EED-4BCE-BB16-F9ED18640B38}"/>
               </a:ext>
             </a:extLst>
           </p:cNvPr>
@@ -7658,8 +7779,8 @@
         </p:blipFill>
         <p:spPr>
           <a:xfrm>
-            <a:off x="9536482" y="3088448"/>
-            <a:ext cx="2315228" cy="3363761"/>
+            <a:off x="6718126" y="3156884"/>
+            <a:ext cx="5373665" cy="2757161"/>
           </a:xfrm>
           <a:prstGeom prst="rect">
             <a:avLst/>
@@ -7668,10 +7789,10 @@
       </p:pic>
       <p:pic>
         <p:nvPicPr>
-          <p:cNvPr id="11" name="Imagem 11" descr="Interface gráfica do usuário, Aplicativo&#10;&#10;Descrição gerada automaticamente">
-            <a:extLst>
-              <a:ext uri="{FF2B5EF4-FFF2-40B4-BE49-F238E27FC236}">
-                <a16:creationId xmlns:a16="http://schemas.microsoft.com/office/drawing/2014/main" id="{6CEB3514-201C-457E-A438-CB5D70800904}"/>
+          <p:cNvPr id="9" name="Imagem 11" descr="Interface gráfica do usuário, Texto, Aplicativo, chat ou mensagem de texto&#10;&#10;Descrição gerada automaticamente">
+            <a:extLst>
+              <a:ext uri="{FF2B5EF4-FFF2-40B4-BE49-F238E27FC236}">
+                <a16:creationId xmlns:a16="http://schemas.microsoft.com/office/drawing/2014/main" id="{356D998E-0139-4AB8-939A-5402947D8026}"/>
               </a:ext>
             </a:extLst>
           </p:cNvPr>
@@ -7688,8 +7809,8 @@
         </p:blipFill>
         <p:spPr>
           <a:xfrm>
-            <a:off x="6311030" y="3462158"/>
-            <a:ext cx="2743200" cy="2689412"/>
+            <a:off x="705633" y="2618723"/>
+            <a:ext cx="2743200" cy="4000500"/>
           </a:xfrm>
           <a:prstGeom prst="rect">
             <a:avLst/>
@@ -8191,10 +8312,10 @@
       </p:sp>
       <p:pic>
         <p:nvPicPr>
-          <p:cNvPr id="8" name="Imagem 9" descr="Interface gráfica do usuário&#10;&#10;Descrição gerada automaticamente">
-            <a:extLst>
-              <a:ext uri="{FF2B5EF4-FFF2-40B4-BE49-F238E27FC236}">
-                <a16:creationId xmlns:a16="http://schemas.microsoft.com/office/drawing/2014/main" id="{06DA6F74-01CF-489D-99D3-2DFB8ADC1898}"/>
+          <p:cNvPr id="5" name="Imagem 8" descr="Diagrama&#10;&#10;Descrição gerada automaticamente">
+            <a:extLst>
+              <a:ext uri="{FF2B5EF4-FFF2-40B4-BE49-F238E27FC236}">
+                <a16:creationId xmlns:a16="http://schemas.microsoft.com/office/drawing/2014/main" id="{ACBDDD26-EB90-4DE6-A509-D781E151874B}"/>
               </a:ext>
             </a:extLst>
           </p:cNvPr>
@@ -8211,8 +8332,68 @@
         </p:blipFill>
         <p:spPr>
           <a:xfrm>
-            <a:off x="1425880" y="2892090"/>
-            <a:ext cx="9549007" cy="3829546"/>
+            <a:off x="3440482" y="2677000"/>
+            <a:ext cx="5739008" cy="3508164"/>
+          </a:xfrm>
+          <a:prstGeom prst="rect">
+            <a:avLst/>
+          </a:prstGeom>
+        </p:spPr>
+      </p:pic>
+      <p:pic>
+        <p:nvPicPr>
+          <p:cNvPr id="9" name="Imagem 9" descr="Tela de celular com aplicativo aberto&#10;&#10;Descrição gerada automaticamente">
+            <a:extLst>
+              <a:ext uri="{FF2B5EF4-FFF2-40B4-BE49-F238E27FC236}">
+                <a16:creationId xmlns:a16="http://schemas.microsoft.com/office/drawing/2014/main" id="{A73256A7-4A40-4983-9124-703AF62FD760}"/>
+              </a:ext>
+            </a:extLst>
+          </p:cNvPr>
+          <p:cNvPicPr>
+            <a:picLocks noChangeAspect="1"/>
+          </p:cNvPicPr>
+          <p:nvPr/>
+        </p:nvPicPr>
+        <p:blipFill>
+          <a:blip r:embed="rId5"/>
+          <a:stretch>
+            <a:fillRect/>
+          </a:stretch>
+        </p:blipFill>
+        <p:spPr>
+          <a:xfrm>
+            <a:off x="9609838" y="2676395"/>
+            <a:ext cx="2325091" cy="4114800"/>
+          </a:xfrm>
+          <a:prstGeom prst="rect">
+            <a:avLst/>
+          </a:prstGeom>
+        </p:spPr>
+      </p:pic>
+      <p:pic>
+        <p:nvPicPr>
+          <p:cNvPr id="10" name="Imagem 10" descr="Tela de computador com fundo verde&#10;&#10;Descrição gerada automaticamente">
+            <a:extLst>
+              <a:ext uri="{FF2B5EF4-FFF2-40B4-BE49-F238E27FC236}">
+                <a16:creationId xmlns:a16="http://schemas.microsoft.com/office/drawing/2014/main" id="{70488DD2-33C8-4BC3-8DDF-E08FCDFF41E4}"/>
+              </a:ext>
+            </a:extLst>
+          </p:cNvPr>
+          <p:cNvPicPr>
+            <a:picLocks noChangeAspect="1"/>
+          </p:cNvPicPr>
+          <p:nvPr/>
+        </p:nvPicPr>
+        <p:blipFill>
+          <a:blip r:embed="rId6"/>
+          <a:stretch>
+            <a:fillRect/>
+          </a:stretch>
+        </p:blipFill>
+        <p:spPr>
+          <a:xfrm>
+            <a:off x="444674" y="2681264"/>
+            <a:ext cx="2743200" cy="3833665"/>
           </a:xfrm>
           <a:prstGeom prst="rect">
             <a:avLst/>
@@ -8714,10 +8895,10 @@
       </p:sp>
       <p:pic>
         <p:nvPicPr>
-          <p:cNvPr id="5" name="Imagem 8" descr="Interface gráfica do usuário, Aplicativo&#10;&#10;Descrição gerada automaticamente">
-            <a:extLst>
-              <a:ext uri="{FF2B5EF4-FFF2-40B4-BE49-F238E27FC236}">
-                <a16:creationId xmlns:a16="http://schemas.microsoft.com/office/drawing/2014/main" id="{0A6DA43F-F4FD-4304-8791-3268946D4F60}"/>
+          <p:cNvPr id="8" name="Imagem 8" descr="Uma imagem contendo Interface gráfica do usuário&#10;&#10;Descrição gerada automaticamente">
+            <a:extLst>
+              <a:ext uri="{FF2B5EF4-FFF2-40B4-BE49-F238E27FC236}">
+                <a16:creationId xmlns:a16="http://schemas.microsoft.com/office/drawing/2014/main" id="{B3D1CDD5-AEE1-48A4-8881-73F0815E0B24}"/>
               </a:ext>
             </a:extLst>
           </p:cNvPr>
@@ -8734,8 +8915,68 @@
         </p:blipFill>
         <p:spPr>
           <a:xfrm>
-            <a:off x="2615852" y="2531172"/>
-            <a:ext cx="7586597" cy="4060778"/>
+            <a:off x="3043825" y="3424106"/>
+            <a:ext cx="4382022" cy="2087021"/>
+          </a:xfrm>
+          <a:prstGeom prst="rect">
+            <a:avLst/>
+          </a:prstGeom>
+        </p:spPr>
+      </p:pic>
+      <p:pic>
+        <p:nvPicPr>
+          <p:cNvPr id="9" name="Imagem 9" descr="Interface gráfica do usuário, Aplicativo&#10;&#10;Descrição gerada automaticamente">
+            <a:extLst>
+              <a:ext uri="{FF2B5EF4-FFF2-40B4-BE49-F238E27FC236}">
+                <a16:creationId xmlns:a16="http://schemas.microsoft.com/office/drawing/2014/main" id="{7C2010EE-6B7D-4C79-B139-AE710529BFA6}"/>
+              </a:ext>
+            </a:extLst>
+          </p:cNvPr>
+          <p:cNvPicPr>
+            <a:picLocks noChangeAspect="1"/>
+          </p:cNvPicPr>
+          <p:nvPr/>
+        </p:nvPicPr>
+        <p:blipFill>
+          <a:blip r:embed="rId5"/>
+          <a:stretch>
+            <a:fillRect/>
+          </a:stretch>
+        </p:blipFill>
+        <p:spPr>
+          <a:xfrm>
+            <a:off x="374637" y="2582449"/>
+            <a:ext cx="2298725" cy="4114800"/>
+          </a:xfrm>
+          <a:prstGeom prst="rect">
+            <a:avLst/>
+          </a:prstGeom>
+        </p:spPr>
+      </p:pic>
+      <p:pic>
+        <p:nvPicPr>
+          <p:cNvPr id="10" name="Imagem 10" descr="Uma imagem contendo Interface gráfica do usuário&#10;&#10;Descrição gerada automaticamente">
+            <a:extLst>
+              <a:ext uri="{FF2B5EF4-FFF2-40B4-BE49-F238E27FC236}">
+                <a16:creationId xmlns:a16="http://schemas.microsoft.com/office/drawing/2014/main" id="{E415768A-16E1-4F3C-8006-9A61D783D79D}"/>
+              </a:ext>
+            </a:extLst>
+          </p:cNvPr>
+          <p:cNvPicPr>
+            <a:picLocks noChangeAspect="1"/>
+          </p:cNvPicPr>
+          <p:nvPr/>
+        </p:nvPicPr>
+        <p:blipFill>
+          <a:blip r:embed="rId6"/>
+          <a:stretch>
+            <a:fillRect/>
+          </a:stretch>
+        </p:blipFill>
+        <p:spPr>
+          <a:xfrm>
+            <a:off x="7699331" y="3423393"/>
+            <a:ext cx="4413336" cy="2171954"/>
           </a:xfrm>
           <a:prstGeom prst="rect">
             <a:avLst/>
@@ -9297,10 +9538,10 @@
       </p:pic>
       <p:pic>
         <p:nvPicPr>
-          <p:cNvPr id="13" name="Imagem 13" descr="Uma imagem contendo Linha do tempo&#10;&#10;Descrição gerada automaticamente">
-            <a:extLst>
-              <a:ext uri="{FF2B5EF4-FFF2-40B4-BE49-F238E27FC236}">
-                <a16:creationId xmlns:a16="http://schemas.microsoft.com/office/drawing/2014/main" id="{974C0A0F-B613-45C2-8362-A0FE50B2A15C}"/>
+          <p:cNvPr id="8" name="Imagem 8" descr="Linha do tempo&#10;&#10;Descrição gerada automaticamente">
+            <a:extLst>
+              <a:ext uri="{FF2B5EF4-FFF2-40B4-BE49-F238E27FC236}">
+                <a16:creationId xmlns:a16="http://schemas.microsoft.com/office/drawing/2014/main" id="{50655E51-F473-4867-8516-4E86065DD025}"/>
               </a:ext>
             </a:extLst>
           </p:cNvPr>
@@ -9317,8 +9558,8 @@
         </p:blipFill>
         <p:spPr>
           <a:xfrm>
-            <a:off x="4296427" y="3131522"/>
-            <a:ext cx="7127309" cy="2922709"/>
+            <a:off x="4285989" y="3138382"/>
+            <a:ext cx="7231693" cy="3013373"/>
           </a:xfrm>
           <a:prstGeom prst="rect">
             <a:avLst/>
@@ -9820,10 +10061,10 @@
       </p:sp>
       <p:pic>
         <p:nvPicPr>
-          <p:cNvPr id="8" name="Imagem 8" descr="Interface gráfica do usuário, Site&#10;&#10;Descrição gerada automaticamente">
-            <a:extLst>
-              <a:ext uri="{FF2B5EF4-FFF2-40B4-BE49-F238E27FC236}">
-                <a16:creationId xmlns:a16="http://schemas.microsoft.com/office/drawing/2014/main" id="{7B0B6E31-6C25-469A-A447-6B3C6FCB796E}"/>
+          <p:cNvPr id="5" name="Imagem 8" descr="Interface gráfica do usuário&#10;&#10;Descrição gerada automaticamente">
+            <a:extLst>
+              <a:ext uri="{FF2B5EF4-FFF2-40B4-BE49-F238E27FC236}">
+                <a16:creationId xmlns:a16="http://schemas.microsoft.com/office/drawing/2014/main" id="{B57B6D80-3BBF-488A-AF0F-7E528124A7EA}"/>
               </a:ext>
             </a:extLst>
           </p:cNvPr>
@@ -9840,8 +10081,68 @@
         </p:blipFill>
         <p:spPr>
           <a:xfrm>
-            <a:off x="1248428" y="2599122"/>
-            <a:ext cx="9569884" cy="4050140"/>
+            <a:off x="2803743" y="5167714"/>
+            <a:ext cx="6594953" cy="1480791"/>
+          </a:xfrm>
+          <a:prstGeom prst="rect">
+            <a:avLst/>
+          </a:prstGeom>
+        </p:spPr>
+      </p:pic>
+      <p:pic>
+        <p:nvPicPr>
+          <p:cNvPr id="9" name="Imagem 9" descr="Interface gráfica do usuário&#10;&#10;Descrição gerada automaticamente">
+            <a:extLst>
+              <a:ext uri="{FF2B5EF4-FFF2-40B4-BE49-F238E27FC236}">
+                <a16:creationId xmlns:a16="http://schemas.microsoft.com/office/drawing/2014/main" id="{24D11D11-8B80-4D76-AFE1-22B5FF8C14A9}"/>
+              </a:ext>
+            </a:extLst>
+          </p:cNvPr>
+          <p:cNvPicPr>
+            <a:picLocks noChangeAspect="1"/>
+          </p:cNvPicPr>
+          <p:nvPr/>
+        </p:nvPicPr>
+        <p:blipFill>
+          <a:blip r:embed="rId5"/>
+          <a:stretch>
+            <a:fillRect/>
+          </a:stretch>
+        </p:blipFill>
+        <p:spPr>
+          <a:xfrm>
+            <a:off x="7281798" y="2958815"/>
+            <a:ext cx="3588706" cy="2130340"/>
+          </a:xfrm>
+          <a:prstGeom prst="rect">
+            <a:avLst/>
+          </a:prstGeom>
+        </p:spPr>
+      </p:pic>
+      <p:pic>
+        <p:nvPicPr>
+          <p:cNvPr id="10" name="Imagem 10" descr="Interface gráfica do usuário, Site&#10;&#10;Descrição gerada automaticamente">
+            <a:extLst>
+              <a:ext uri="{FF2B5EF4-FFF2-40B4-BE49-F238E27FC236}">
+                <a16:creationId xmlns:a16="http://schemas.microsoft.com/office/drawing/2014/main" id="{AC54B0E2-48EB-4377-B30A-89F44C6EE429}"/>
+              </a:ext>
+            </a:extLst>
+          </p:cNvPr>
+          <p:cNvPicPr>
+            <a:picLocks noChangeAspect="1"/>
+          </p:cNvPicPr>
+          <p:nvPr/>
+        </p:nvPicPr>
+        <p:blipFill>
+          <a:blip r:embed="rId6"/>
+          <a:stretch>
+            <a:fillRect/>
+          </a:stretch>
+        </p:blipFill>
+        <p:spPr>
+          <a:xfrm>
+            <a:off x="423797" y="2969234"/>
+            <a:ext cx="4987446" cy="2099068"/>
           </a:xfrm>
           <a:prstGeom prst="rect">
             <a:avLst/>
@@ -10343,10 +10644,10 @@
       </p:sp>
       <p:pic>
         <p:nvPicPr>
-          <p:cNvPr id="10" name="Imagem 10" descr="Interface gráfica do usuário, Aplicativo&#10;&#10;Descrição gerada automaticamente">
-            <a:extLst>
-              <a:ext uri="{FF2B5EF4-FFF2-40B4-BE49-F238E27FC236}">
-                <a16:creationId xmlns:a16="http://schemas.microsoft.com/office/drawing/2014/main" id="{903C26E9-5E72-497A-BF6F-B339C568C532}"/>
+          <p:cNvPr id="5" name="Imagem 7">
+            <a:extLst>
+              <a:ext uri="{FF2B5EF4-FFF2-40B4-BE49-F238E27FC236}">
+                <a16:creationId xmlns:a16="http://schemas.microsoft.com/office/drawing/2014/main" id="{2B687B52-229B-4E2E-9A66-5156FAB6E234}"/>
               </a:ext>
             </a:extLst>
           </p:cNvPr>
@@ -10363,8 +10664,68 @@
         </p:blipFill>
         <p:spPr>
           <a:xfrm>
-            <a:off x="2020866" y="2587485"/>
-            <a:ext cx="8265089" cy="3958591"/>
+            <a:off x="3576181" y="2800306"/>
+            <a:ext cx="7784926" cy="620646"/>
+          </a:xfrm>
+          <a:prstGeom prst="rect">
+            <a:avLst/>
+          </a:prstGeom>
+        </p:spPr>
+      </p:pic>
+      <p:pic>
+        <p:nvPicPr>
+          <p:cNvPr id="8" name="Imagem 8" descr="Interface gráfica do usuário, Diagrama, Aplicativo&#10;&#10;Descrição gerada automaticamente">
+            <a:extLst>
+              <a:ext uri="{FF2B5EF4-FFF2-40B4-BE49-F238E27FC236}">
+                <a16:creationId xmlns:a16="http://schemas.microsoft.com/office/drawing/2014/main" id="{26703BE7-A994-4A28-B361-D7CB3C054AA6}"/>
+              </a:ext>
+            </a:extLst>
+          </p:cNvPr>
+          <p:cNvPicPr>
+            <a:picLocks noChangeAspect="1"/>
+          </p:cNvPicPr>
+          <p:nvPr/>
+        </p:nvPicPr>
+        <p:blipFill>
+          <a:blip r:embed="rId5"/>
+          <a:stretch>
+            <a:fillRect/>
+          </a:stretch>
+        </p:blipFill>
+        <p:spPr>
+          <a:xfrm>
+            <a:off x="5705605" y="4134996"/>
+            <a:ext cx="3526076" cy="2293626"/>
+          </a:xfrm>
+          <a:prstGeom prst="rect">
+            <a:avLst/>
+          </a:prstGeom>
+        </p:spPr>
+      </p:pic>
+      <p:pic>
+        <p:nvPicPr>
+          <p:cNvPr id="9" name="Imagem 10" descr="Interface gráfica do usuário, Aplicativo&#10;&#10;Descrição gerada automaticamente">
+            <a:extLst>
+              <a:ext uri="{FF2B5EF4-FFF2-40B4-BE49-F238E27FC236}">
+                <a16:creationId xmlns:a16="http://schemas.microsoft.com/office/drawing/2014/main" id="{C6C18BB2-E442-4AF2-A44A-E0B0751C84F1}"/>
+              </a:ext>
+            </a:extLst>
+          </p:cNvPr>
+          <p:cNvPicPr>
+            <a:picLocks noChangeAspect="1"/>
+          </p:cNvPicPr>
+          <p:nvPr/>
+        </p:nvPicPr>
+        <p:blipFill>
+          <a:blip r:embed="rId6"/>
+          <a:stretch>
+            <a:fillRect/>
+          </a:stretch>
+        </p:blipFill>
+        <p:spPr>
+          <a:xfrm>
+            <a:off x="444674" y="2726170"/>
+            <a:ext cx="2743200" cy="3889989"/>
           </a:xfrm>
           <a:prstGeom prst="rect">
             <a:avLst/>
